--- a/Presentation BTTF.pptx
+++ b/Presentation BTTF.pptx
@@ -116,6 +116,11 @@
       </a:defRPr>
     </a:lvl9pPr>
   </p:defaultTextStyle>
+  <p:extLst>
+    <p:ext uri="{EFAFB233-063F-42B5-8137-9DF3F51BA10A}">
+      <p15:sldGuideLst xmlns:p15="http://schemas.microsoft.com/office/powerpoint/2012/main"/>
+    </p:ext>
+  </p:extLst>
 </p:presentation>
 </file>
 
@@ -250,7 +255,7 @@
           <a:p>
             <a:fld id="{04300326-C162-4DE8-AD01-2B555325EA78}" type="datetimeFigureOut">
               <a:rPr lang="en-US" smtClean="0"/>
-              <a:t>9/15/2016</a:t>
+              <a:t>9/16/2016</a:t>
             </a:fld>
             <a:endParaRPr lang="en-US"/>
           </a:p>
@@ -420,7 +425,7 @@
           <a:p>
             <a:fld id="{04300326-C162-4DE8-AD01-2B555325EA78}" type="datetimeFigureOut">
               <a:rPr lang="en-US" smtClean="0"/>
-              <a:t>9/15/2016</a:t>
+              <a:t>9/16/2016</a:t>
             </a:fld>
             <a:endParaRPr lang="en-US"/>
           </a:p>
@@ -600,7 +605,7 @@
           <a:p>
             <a:fld id="{04300326-C162-4DE8-AD01-2B555325EA78}" type="datetimeFigureOut">
               <a:rPr lang="en-US" smtClean="0"/>
-              <a:t>9/15/2016</a:t>
+              <a:t>9/16/2016</a:t>
             </a:fld>
             <a:endParaRPr lang="en-US"/>
           </a:p>
@@ -770,7 +775,7 @@
           <a:p>
             <a:fld id="{04300326-C162-4DE8-AD01-2B555325EA78}" type="datetimeFigureOut">
               <a:rPr lang="en-US" smtClean="0"/>
-              <a:t>9/15/2016</a:t>
+              <a:t>9/16/2016</a:t>
             </a:fld>
             <a:endParaRPr lang="en-US"/>
           </a:p>
@@ -1016,7 +1021,7 @@
           <a:p>
             <a:fld id="{04300326-C162-4DE8-AD01-2B555325EA78}" type="datetimeFigureOut">
               <a:rPr lang="en-US" smtClean="0"/>
-              <a:t>9/15/2016</a:t>
+              <a:t>9/16/2016</a:t>
             </a:fld>
             <a:endParaRPr lang="en-US"/>
           </a:p>
@@ -1248,7 +1253,7 @@
           <a:p>
             <a:fld id="{04300326-C162-4DE8-AD01-2B555325EA78}" type="datetimeFigureOut">
               <a:rPr lang="en-US" smtClean="0"/>
-              <a:t>9/15/2016</a:t>
+              <a:t>9/16/2016</a:t>
             </a:fld>
             <a:endParaRPr lang="en-US"/>
           </a:p>
@@ -1615,7 +1620,7 @@
           <a:p>
             <a:fld id="{04300326-C162-4DE8-AD01-2B555325EA78}" type="datetimeFigureOut">
               <a:rPr lang="en-US" smtClean="0"/>
-              <a:t>9/15/2016</a:t>
+              <a:t>9/16/2016</a:t>
             </a:fld>
             <a:endParaRPr lang="en-US"/>
           </a:p>
@@ -1733,7 +1738,7 @@
           <a:p>
             <a:fld id="{04300326-C162-4DE8-AD01-2B555325EA78}" type="datetimeFigureOut">
               <a:rPr lang="en-US" smtClean="0"/>
-              <a:t>9/15/2016</a:t>
+              <a:t>9/16/2016</a:t>
             </a:fld>
             <a:endParaRPr lang="en-US"/>
           </a:p>
@@ -1828,7 +1833,7 @@
           <a:p>
             <a:fld id="{04300326-C162-4DE8-AD01-2B555325EA78}" type="datetimeFigureOut">
               <a:rPr lang="en-US" smtClean="0"/>
-              <a:t>9/15/2016</a:t>
+              <a:t>9/16/2016</a:t>
             </a:fld>
             <a:endParaRPr lang="en-US"/>
           </a:p>
@@ -2105,7 +2110,7 @@
           <a:p>
             <a:fld id="{04300326-C162-4DE8-AD01-2B555325EA78}" type="datetimeFigureOut">
               <a:rPr lang="en-US" smtClean="0"/>
-              <a:t>9/15/2016</a:t>
+              <a:t>9/16/2016</a:t>
             </a:fld>
             <a:endParaRPr lang="en-US"/>
           </a:p>
@@ -2358,7 +2363,7 @@
           <a:p>
             <a:fld id="{04300326-C162-4DE8-AD01-2B555325EA78}" type="datetimeFigureOut">
               <a:rPr lang="en-US" smtClean="0"/>
-              <a:t>9/15/2016</a:t>
+              <a:t>9/16/2016</a:t>
             </a:fld>
             <a:endParaRPr lang="en-US"/>
           </a:p>
@@ -2571,7 +2576,7 @@
           <a:p>
             <a:fld id="{04300326-C162-4DE8-AD01-2B555325EA78}" type="datetimeFigureOut">
               <a:rPr lang="en-US" smtClean="0"/>
-              <a:t>9/15/2016</a:t>
+              <a:t>9/16/2016</a:t>
             </a:fld>
             <a:endParaRPr lang="en-US"/>
           </a:p>
@@ -3203,6 +3208,40 @@
 <file path=ppt/slides/slide10.xml><?xml version="1.0" encoding="utf-8"?>
 <p:sld xmlns:a="http://schemas.openxmlformats.org/drawingml/2006/main" xmlns:r="http://schemas.openxmlformats.org/officeDocument/2006/relationships" xmlns:p="http://schemas.openxmlformats.org/presentationml/2006/main">
   <p:cSld>
+    <p:bg>
+      <p:bgPr>
+        <a:gradFill>
+          <a:gsLst>
+            <a:gs pos="0">
+              <a:schemeClr val="accent1">
+                <a:lumMod val="5000"/>
+                <a:lumOff val="95000"/>
+              </a:schemeClr>
+            </a:gs>
+            <a:gs pos="74000">
+              <a:schemeClr val="accent1">
+                <a:lumMod val="45000"/>
+                <a:lumOff val="55000"/>
+              </a:schemeClr>
+            </a:gs>
+            <a:gs pos="83000">
+              <a:schemeClr val="accent1">
+                <a:lumMod val="45000"/>
+                <a:lumOff val="55000"/>
+              </a:schemeClr>
+            </a:gs>
+            <a:gs pos="100000">
+              <a:schemeClr val="accent1">
+                <a:lumMod val="30000"/>
+                <a:lumOff val="70000"/>
+              </a:schemeClr>
+            </a:gs>
+          </a:gsLst>
+          <a:lin ang="5400000" scaled="1"/>
+        </a:gradFill>
+        <a:effectLst/>
+      </p:bgPr>
+    </p:bg>
     <p:spTree>
       <p:nvGrpSpPr>
         <p:cNvPr id="1" name=""/>
@@ -3425,6 +3464,40 @@
 <file path=ppt/slides/slide11.xml><?xml version="1.0" encoding="utf-8"?>
 <p:sld xmlns:a="http://schemas.openxmlformats.org/drawingml/2006/main" xmlns:r="http://schemas.openxmlformats.org/officeDocument/2006/relationships" xmlns:p="http://schemas.openxmlformats.org/presentationml/2006/main">
   <p:cSld>
+    <p:bg>
+      <p:bgPr>
+        <a:gradFill>
+          <a:gsLst>
+            <a:gs pos="0">
+              <a:schemeClr val="accent1">
+                <a:lumMod val="5000"/>
+                <a:lumOff val="95000"/>
+              </a:schemeClr>
+            </a:gs>
+            <a:gs pos="74000">
+              <a:schemeClr val="accent1">
+                <a:lumMod val="45000"/>
+                <a:lumOff val="55000"/>
+              </a:schemeClr>
+            </a:gs>
+            <a:gs pos="83000">
+              <a:schemeClr val="accent1">
+                <a:lumMod val="45000"/>
+                <a:lumOff val="55000"/>
+              </a:schemeClr>
+            </a:gs>
+            <a:gs pos="100000">
+              <a:schemeClr val="accent1">
+                <a:lumMod val="30000"/>
+                <a:lumOff val="70000"/>
+              </a:schemeClr>
+            </a:gs>
+          </a:gsLst>
+          <a:lin ang="5400000" scaled="1"/>
+        </a:gradFill>
+        <a:effectLst/>
+      </p:bgPr>
+    </p:bg>
     <p:spTree>
       <p:nvGrpSpPr>
         <p:cNvPr id="1" name=""/>
@@ -3668,6 +3741,40 @@
 <file path=ppt/slides/slide12.xml><?xml version="1.0" encoding="utf-8"?>
 <p:sld xmlns:a="http://schemas.openxmlformats.org/drawingml/2006/main" xmlns:r="http://schemas.openxmlformats.org/officeDocument/2006/relationships" xmlns:p="http://schemas.openxmlformats.org/presentationml/2006/main">
   <p:cSld>
+    <p:bg>
+      <p:bgPr>
+        <a:gradFill>
+          <a:gsLst>
+            <a:gs pos="0">
+              <a:schemeClr val="accent1">
+                <a:lumMod val="5000"/>
+                <a:lumOff val="95000"/>
+              </a:schemeClr>
+            </a:gs>
+            <a:gs pos="74000">
+              <a:schemeClr val="accent1">
+                <a:lumMod val="45000"/>
+                <a:lumOff val="55000"/>
+              </a:schemeClr>
+            </a:gs>
+            <a:gs pos="83000">
+              <a:schemeClr val="accent1">
+                <a:lumMod val="45000"/>
+                <a:lumOff val="55000"/>
+              </a:schemeClr>
+            </a:gs>
+            <a:gs pos="100000">
+              <a:schemeClr val="accent1">
+                <a:lumMod val="30000"/>
+                <a:lumOff val="70000"/>
+              </a:schemeClr>
+            </a:gs>
+          </a:gsLst>
+          <a:lin ang="5400000" scaled="1"/>
+        </a:gradFill>
+        <a:effectLst/>
+      </p:bgPr>
+    </p:bg>
     <p:spTree>
       <p:nvGrpSpPr>
         <p:cNvPr id="1" name=""/>
@@ -3776,6 +3883,40 @@
 <file path=ppt/slides/slide13.xml><?xml version="1.0" encoding="utf-8"?>
 <p:sld xmlns:a="http://schemas.openxmlformats.org/drawingml/2006/main" xmlns:r="http://schemas.openxmlformats.org/officeDocument/2006/relationships" xmlns:p="http://schemas.openxmlformats.org/presentationml/2006/main">
   <p:cSld>
+    <p:bg>
+      <p:bgPr>
+        <a:gradFill>
+          <a:gsLst>
+            <a:gs pos="0">
+              <a:schemeClr val="accent1">
+                <a:lumMod val="5000"/>
+                <a:lumOff val="95000"/>
+              </a:schemeClr>
+            </a:gs>
+            <a:gs pos="74000">
+              <a:schemeClr val="accent1">
+                <a:lumMod val="45000"/>
+                <a:lumOff val="55000"/>
+              </a:schemeClr>
+            </a:gs>
+            <a:gs pos="83000">
+              <a:schemeClr val="accent1">
+                <a:lumMod val="45000"/>
+                <a:lumOff val="55000"/>
+              </a:schemeClr>
+            </a:gs>
+            <a:gs pos="100000">
+              <a:schemeClr val="accent1">
+                <a:lumMod val="30000"/>
+                <a:lumOff val="70000"/>
+              </a:schemeClr>
+            </a:gs>
+          </a:gsLst>
+          <a:lin ang="5400000" scaled="1"/>
+        </a:gradFill>
+        <a:effectLst/>
+      </p:bgPr>
+    </p:bg>
     <p:spTree>
       <p:nvGrpSpPr>
         <p:cNvPr id="1" name=""/>
@@ -3888,6 +4029,40 @@
 <file path=ppt/slides/slide2.xml><?xml version="1.0" encoding="utf-8"?>
 <p:sld xmlns:a="http://schemas.openxmlformats.org/drawingml/2006/main" xmlns:r="http://schemas.openxmlformats.org/officeDocument/2006/relationships" xmlns:p="http://schemas.openxmlformats.org/presentationml/2006/main">
   <p:cSld>
+    <p:bg>
+      <p:bgPr>
+        <a:gradFill>
+          <a:gsLst>
+            <a:gs pos="0">
+              <a:schemeClr val="accent1">
+                <a:lumMod val="5000"/>
+                <a:lumOff val="95000"/>
+              </a:schemeClr>
+            </a:gs>
+            <a:gs pos="74000">
+              <a:schemeClr val="accent1">
+                <a:lumMod val="45000"/>
+                <a:lumOff val="55000"/>
+              </a:schemeClr>
+            </a:gs>
+            <a:gs pos="83000">
+              <a:schemeClr val="accent1">
+                <a:lumMod val="45000"/>
+                <a:lumOff val="55000"/>
+              </a:schemeClr>
+            </a:gs>
+            <a:gs pos="100000">
+              <a:schemeClr val="accent1">
+                <a:lumMod val="30000"/>
+                <a:lumOff val="70000"/>
+              </a:schemeClr>
+            </a:gs>
+          </a:gsLst>
+          <a:lin ang="5400000" scaled="1"/>
+        </a:gradFill>
+        <a:effectLst/>
+      </p:bgPr>
+    </p:bg>
     <p:spTree>
       <p:nvGrpSpPr>
         <p:cNvPr id="1" name=""/>
@@ -3982,6 +4157,40 @@
 <file path=ppt/slides/slide3.xml><?xml version="1.0" encoding="utf-8"?>
 <p:sld xmlns:a="http://schemas.openxmlformats.org/drawingml/2006/main" xmlns:r="http://schemas.openxmlformats.org/officeDocument/2006/relationships" xmlns:p="http://schemas.openxmlformats.org/presentationml/2006/main">
   <p:cSld>
+    <p:bg>
+      <p:bgPr>
+        <a:gradFill>
+          <a:gsLst>
+            <a:gs pos="0">
+              <a:schemeClr val="accent1">
+                <a:lumMod val="5000"/>
+                <a:lumOff val="95000"/>
+              </a:schemeClr>
+            </a:gs>
+            <a:gs pos="74000">
+              <a:schemeClr val="accent1">
+                <a:lumMod val="45000"/>
+                <a:lumOff val="55000"/>
+              </a:schemeClr>
+            </a:gs>
+            <a:gs pos="83000">
+              <a:schemeClr val="accent1">
+                <a:lumMod val="45000"/>
+                <a:lumOff val="55000"/>
+              </a:schemeClr>
+            </a:gs>
+            <a:gs pos="100000">
+              <a:schemeClr val="accent1">
+                <a:lumMod val="30000"/>
+                <a:lumOff val="70000"/>
+              </a:schemeClr>
+            </a:gs>
+          </a:gsLst>
+          <a:lin ang="5400000" scaled="1"/>
+        </a:gradFill>
+        <a:effectLst/>
+      </p:bgPr>
+    </p:bg>
     <p:spTree>
       <p:nvGrpSpPr>
         <p:cNvPr id="1" name=""/>
@@ -4131,6 +4340,40 @@
 <file path=ppt/slides/slide4.xml><?xml version="1.0" encoding="utf-8"?>
 <p:sld xmlns:a="http://schemas.openxmlformats.org/drawingml/2006/main" xmlns:r="http://schemas.openxmlformats.org/officeDocument/2006/relationships" xmlns:p="http://schemas.openxmlformats.org/presentationml/2006/main">
   <p:cSld>
+    <p:bg>
+      <p:bgPr>
+        <a:gradFill>
+          <a:gsLst>
+            <a:gs pos="0">
+              <a:schemeClr val="accent1">
+                <a:lumMod val="5000"/>
+                <a:lumOff val="95000"/>
+              </a:schemeClr>
+            </a:gs>
+            <a:gs pos="74000">
+              <a:schemeClr val="accent1">
+                <a:lumMod val="45000"/>
+                <a:lumOff val="55000"/>
+              </a:schemeClr>
+            </a:gs>
+            <a:gs pos="83000">
+              <a:schemeClr val="accent1">
+                <a:lumMod val="45000"/>
+                <a:lumOff val="55000"/>
+              </a:schemeClr>
+            </a:gs>
+            <a:gs pos="100000">
+              <a:schemeClr val="accent1">
+                <a:lumMod val="30000"/>
+                <a:lumOff val="70000"/>
+              </a:schemeClr>
+            </a:gs>
+          </a:gsLst>
+          <a:lin ang="5400000" scaled="1"/>
+        </a:gradFill>
+        <a:effectLst/>
+      </p:bgPr>
+    </p:bg>
     <p:spTree>
       <p:nvGrpSpPr>
         <p:cNvPr id="1" name=""/>
@@ -4327,6 +4570,40 @@
 <file path=ppt/slides/slide5.xml><?xml version="1.0" encoding="utf-8"?>
 <p:sld xmlns:a="http://schemas.openxmlformats.org/drawingml/2006/main" xmlns:r="http://schemas.openxmlformats.org/officeDocument/2006/relationships" xmlns:p="http://schemas.openxmlformats.org/presentationml/2006/main">
   <p:cSld>
+    <p:bg>
+      <p:bgPr>
+        <a:gradFill>
+          <a:gsLst>
+            <a:gs pos="0">
+              <a:schemeClr val="accent1">
+                <a:lumMod val="5000"/>
+                <a:lumOff val="95000"/>
+              </a:schemeClr>
+            </a:gs>
+            <a:gs pos="74000">
+              <a:schemeClr val="accent1">
+                <a:lumMod val="45000"/>
+                <a:lumOff val="55000"/>
+              </a:schemeClr>
+            </a:gs>
+            <a:gs pos="83000">
+              <a:schemeClr val="accent1">
+                <a:lumMod val="45000"/>
+                <a:lumOff val="55000"/>
+              </a:schemeClr>
+            </a:gs>
+            <a:gs pos="100000">
+              <a:schemeClr val="accent1">
+                <a:lumMod val="30000"/>
+                <a:lumOff val="70000"/>
+              </a:schemeClr>
+            </a:gs>
+          </a:gsLst>
+          <a:lin ang="5400000" scaled="1"/>
+        </a:gradFill>
+        <a:effectLst/>
+      </p:bgPr>
+    </p:bg>
     <p:spTree>
       <p:nvGrpSpPr>
         <p:cNvPr id="1" name=""/>
@@ -4479,6 +4756,40 @@
 <file path=ppt/slides/slide6.xml><?xml version="1.0" encoding="utf-8"?>
 <p:sld xmlns:a="http://schemas.openxmlformats.org/drawingml/2006/main" xmlns:r="http://schemas.openxmlformats.org/officeDocument/2006/relationships" xmlns:p="http://schemas.openxmlformats.org/presentationml/2006/main">
   <p:cSld>
+    <p:bg>
+      <p:bgPr>
+        <a:gradFill>
+          <a:gsLst>
+            <a:gs pos="0">
+              <a:schemeClr val="accent1">
+                <a:lumMod val="5000"/>
+                <a:lumOff val="95000"/>
+              </a:schemeClr>
+            </a:gs>
+            <a:gs pos="74000">
+              <a:schemeClr val="accent1">
+                <a:lumMod val="45000"/>
+                <a:lumOff val="55000"/>
+              </a:schemeClr>
+            </a:gs>
+            <a:gs pos="83000">
+              <a:schemeClr val="accent1">
+                <a:lumMod val="45000"/>
+                <a:lumOff val="55000"/>
+              </a:schemeClr>
+            </a:gs>
+            <a:gs pos="100000">
+              <a:schemeClr val="accent1">
+                <a:lumMod val="30000"/>
+                <a:lumOff val="70000"/>
+              </a:schemeClr>
+            </a:gs>
+          </a:gsLst>
+          <a:lin ang="5400000" scaled="1"/>
+        </a:gradFill>
+        <a:effectLst/>
+      </p:bgPr>
+    </p:bg>
     <p:spTree>
       <p:nvGrpSpPr>
         <p:cNvPr id="1" name=""/>
@@ -4580,6 +4891,40 @@
 <file path=ppt/slides/slide7.xml><?xml version="1.0" encoding="utf-8"?>
 <p:sld xmlns:a="http://schemas.openxmlformats.org/drawingml/2006/main" xmlns:r="http://schemas.openxmlformats.org/officeDocument/2006/relationships" xmlns:p="http://schemas.openxmlformats.org/presentationml/2006/main">
   <p:cSld>
+    <p:bg>
+      <p:bgPr>
+        <a:gradFill>
+          <a:gsLst>
+            <a:gs pos="0">
+              <a:schemeClr val="accent1">
+                <a:lumMod val="5000"/>
+                <a:lumOff val="95000"/>
+              </a:schemeClr>
+            </a:gs>
+            <a:gs pos="74000">
+              <a:schemeClr val="accent1">
+                <a:lumMod val="45000"/>
+                <a:lumOff val="55000"/>
+              </a:schemeClr>
+            </a:gs>
+            <a:gs pos="83000">
+              <a:schemeClr val="accent1">
+                <a:lumMod val="45000"/>
+                <a:lumOff val="55000"/>
+              </a:schemeClr>
+            </a:gs>
+            <a:gs pos="100000">
+              <a:schemeClr val="accent1">
+                <a:lumMod val="30000"/>
+                <a:lumOff val="70000"/>
+              </a:schemeClr>
+            </a:gs>
+          </a:gsLst>
+          <a:lin ang="5400000" scaled="1"/>
+        </a:gradFill>
+        <a:effectLst/>
+      </p:bgPr>
+    </p:bg>
     <p:spTree>
       <p:nvGrpSpPr>
         <p:cNvPr id="1" name=""/>
@@ -4734,6 +5079,40 @@
 <file path=ppt/slides/slide8.xml><?xml version="1.0" encoding="utf-8"?>
 <p:sld xmlns:a="http://schemas.openxmlformats.org/drawingml/2006/main" xmlns:r="http://schemas.openxmlformats.org/officeDocument/2006/relationships" xmlns:p="http://schemas.openxmlformats.org/presentationml/2006/main">
   <p:cSld>
+    <p:bg>
+      <p:bgPr>
+        <a:gradFill>
+          <a:gsLst>
+            <a:gs pos="0">
+              <a:schemeClr val="accent1">
+                <a:lumMod val="5000"/>
+                <a:lumOff val="95000"/>
+              </a:schemeClr>
+            </a:gs>
+            <a:gs pos="74000">
+              <a:schemeClr val="accent1">
+                <a:lumMod val="45000"/>
+                <a:lumOff val="55000"/>
+              </a:schemeClr>
+            </a:gs>
+            <a:gs pos="83000">
+              <a:schemeClr val="accent1">
+                <a:lumMod val="45000"/>
+                <a:lumOff val="55000"/>
+              </a:schemeClr>
+            </a:gs>
+            <a:gs pos="100000">
+              <a:schemeClr val="accent1">
+                <a:lumMod val="30000"/>
+                <a:lumOff val="70000"/>
+              </a:schemeClr>
+            </a:gs>
+          </a:gsLst>
+          <a:lin ang="5400000" scaled="1"/>
+        </a:gradFill>
+        <a:effectLst/>
+      </p:bgPr>
+    </p:bg>
     <p:spTree>
       <p:nvGrpSpPr>
         <p:cNvPr id="1" name=""/>
@@ -4829,6 +5208,40 @@
 <file path=ppt/slides/slide9.xml><?xml version="1.0" encoding="utf-8"?>
 <p:sld xmlns:a="http://schemas.openxmlformats.org/drawingml/2006/main" xmlns:r="http://schemas.openxmlformats.org/officeDocument/2006/relationships" xmlns:p="http://schemas.openxmlformats.org/presentationml/2006/main">
   <p:cSld>
+    <p:bg>
+      <p:bgPr>
+        <a:gradFill>
+          <a:gsLst>
+            <a:gs pos="0">
+              <a:schemeClr val="accent1">
+                <a:lumMod val="5000"/>
+                <a:lumOff val="95000"/>
+              </a:schemeClr>
+            </a:gs>
+            <a:gs pos="74000">
+              <a:schemeClr val="accent1">
+                <a:lumMod val="45000"/>
+                <a:lumOff val="55000"/>
+              </a:schemeClr>
+            </a:gs>
+            <a:gs pos="83000">
+              <a:schemeClr val="accent1">
+                <a:lumMod val="45000"/>
+                <a:lumOff val="55000"/>
+              </a:schemeClr>
+            </a:gs>
+            <a:gs pos="100000">
+              <a:schemeClr val="accent1">
+                <a:lumMod val="30000"/>
+                <a:lumOff val="70000"/>
+              </a:schemeClr>
+            </a:gs>
+          </a:gsLst>
+          <a:lin ang="5400000" scaled="1"/>
+        </a:gradFill>
+        <a:effectLst/>
+      </p:bgPr>
+    </p:bg>
     <p:spTree>
       <p:nvGrpSpPr>
         <p:cNvPr id="1" name=""/>

--- a/Presentation BTTF.pptx
+++ b/Presentation BTTF.pptx
@@ -9,15 +9,16 @@
     <p:sldId id="257" r:id="rId3"/>
     <p:sldId id="258" r:id="rId4"/>
     <p:sldId id="259" r:id="rId5"/>
-    <p:sldId id="260" r:id="rId6"/>
-    <p:sldId id="261" r:id="rId7"/>
-    <p:sldId id="262" r:id="rId8"/>
-    <p:sldId id="263" r:id="rId9"/>
-    <p:sldId id="264" r:id="rId10"/>
-    <p:sldId id="265" r:id="rId11"/>
-    <p:sldId id="267" r:id="rId12"/>
-    <p:sldId id="266" r:id="rId13"/>
-    <p:sldId id="268" r:id="rId14"/>
+    <p:sldId id="269" r:id="rId6"/>
+    <p:sldId id="260" r:id="rId7"/>
+    <p:sldId id="261" r:id="rId8"/>
+    <p:sldId id="265" r:id="rId9"/>
+    <p:sldId id="262" r:id="rId10"/>
+    <p:sldId id="267" r:id="rId11"/>
+    <p:sldId id="263" r:id="rId12"/>
+    <p:sldId id="264" r:id="rId13"/>
+    <p:sldId id="266" r:id="rId14"/>
+    <p:sldId id="268" r:id="rId15"/>
   </p:sldIdLst>
   <p:sldSz cx="12192000" cy="6858000"/>
   <p:notesSz cx="6858000" cy="9144000"/>
@@ -3268,8 +3269,8 @@
         </p:nvSpPr>
         <p:spPr>
           <a:xfrm>
-            <a:off x="4084475" y="225166"/>
-            <a:ext cx="4023049" cy="1325563"/>
+            <a:off x="2992794" y="318472"/>
+            <a:ext cx="6206412" cy="1325563"/>
           </a:xfrm>
         </p:spPr>
         <p:txBody>
@@ -3278,7 +3279,7 @@
           <a:p>
             <a:r>
               <a:rPr lang="en-US" dirty="0" smtClean="0"/>
-              <a:t>Solved Collision</a:t>
+              <a:t>Player movement Solution</a:t>
             </a:r>
             <a:endParaRPr lang="en-US" dirty="0"/>
           </a:p>
@@ -3302,156 +3303,110 @@
           <a:lstStyle/>
           <a:p>
             <a:r>
+              <a:rPr lang="en-US" dirty="0" smtClean="0"/>
+              <a:t>case </a:t>
+            </a:r>
+            <a:r>
               <a:rPr lang="en-US" dirty="0" err="1"/>
-              <a:t>Rect</a:t>
+              <a:t>Key.Right</a:t>
+            </a:r>
+            <a:r>
+              <a:rPr lang="en-US" dirty="0" smtClean="0"/>
+              <a:t>:</a:t>
+            </a:r>
+          </a:p>
+          <a:p>
+            <a:r>
+              <a:rPr lang="en-US" dirty="0" smtClean="0"/>
+              <a:t>                   </a:t>
+            </a:r>
+          </a:p>
+          <a:p>
+            <a:r>
+              <a:rPr lang="en-US" dirty="0" smtClean="0"/>
+              <a:t>                    </a:t>
+            </a:r>
+            <a:r>
+              <a:rPr lang="en-US" dirty="0" err="1" smtClean="0"/>
+              <a:t>GameStatus.Player.direction</a:t>
+            </a:r>
+            <a:r>
+              <a:rPr lang="en-US" dirty="0" smtClean="0"/>
+              <a:t> = </a:t>
+            </a:r>
+            <a:r>
+              <a:rPr lang="en-US" dirty="0" err="1" smtClean="0"/>
+              <a:t>Direction.Right</a:t>
+            </a:r>
+            <a:r>
+              <a:rPr lang="en-US" dirty="0" smtClean="0"/>
+              <a:t>;</a:t>
+            </a:r>
+          </a:p>
+          <a:p>
+            <a:r>
+              <a:rPr lang="en-US" dirty="0" smtClean="0"/>
+              <a:t>                    </a:t>
             </a:r>
             <a:r>
               <a:rPr lang="en-US" dirty="0"/>
-              <a:t> rect1 = new </a:t>
-            </a:r>
-            <a:r>
-              <a:rPr lang="en-US" dirty="0" err="1"/>
-              <a:t>Rect</a:t>
-            </a:r>
-            <a:r>
-              <a:rPr lang="en-US" dirty="0"/>
-              <a:t>(</a:t>
-            </a:r>
-            <a:r>
-              <a:rPr lang="en-US" dirty="0" err="1"/>
-              <a:t>Canvas.GetLeft</a:t>
-            </a:r>
-            <a:r>
-              <a:rPr lang="en-US" dirty="0"/>
-              <a:t>(Player), </a:t>
-            </a:r>
-            <a:r>
-              <a:rPr lang="en-US" dirty="0" err="1"/>
-              <a:t>Canvas.GetTop</a:t>
-            </a:r>
-            <a:r>
-              <a:rPr lang="en-US" dirty="0"/>
-              <a:t>(Player), </a:t>
-            </a:r>
-            <a:r>
-              <a:rPr lang="en-US" dirty="0" err="1"/>
-              <a:t>GameStatus.Player.sizeX</a:t>
-            </a:r>
-            <a:r>
-              <a:rPr lang="en-US" dirty="0"/>
-              <a:t>, </a:t>
-            </a:r>
-            <a:r>
-              <a:rPr lang="en-US" dirty="0" err="1"/>
-              <a:t>GameStatus.Player.sizeY</a:t>
-            </a:r>
-            <a:r>
-              <a:rPr lang="en-US" dirty="0"/>
-              <a:t>);</a:t>
-            </a:r>
-          </a:p>
-          <a:p>
-            <a:r>
-              <a:rPr lang="en-US" dirty="0"/>
-              <a:t>                </a:t>
-            </a:r>
-            <a:r>
-              <a:rPr lang="en-US" dirty="0" err="1"/>
-              <a:t>Rect</a:t>
-            </a:r>
-            <a:r>
-              <a:rPr lang="en-US" dirty="0"/>
-              <a:t> rect2 = new </a:t>
-            </a:r>
-            <a:r>
-              <a:rPr lang="en-US" dirty="0" err="1"/>
-              <a:t>Rect</a:t>
-            </a:r>
-            <a:r>
-              <a:rPr lang="en-US" dirty="0"/>
-              <a:t>(</a:t>
-            </a:r>
-            <a:r>
-              <a:rPr lang="en-US" dirty="0" err="1"/>
-              <a:t>Canvas.GetLeft</a:t>
-            </a:r>
-            <a:r>
-              <a:rPr lang="en-US" dirty="0"/>
-              <a:t>(</a:t>
-            </a:r>
-            <a:r>
-              <a:rPr lang="en-US" dirty="0" err="1"/>
-              <a:t>DonkeyKong</a:t>
-            </a:r>
-            <a:r>
-              <a:rPr lang="en-US" dirty="0"/>
-              <a:t>), </a:t>
-            </a:r>
-            <a:r>
-              <a:rPr lang="en-US" dirty="0" err="1"/>
-              <a:t>Canvas.GetTop</a:t>
-            </a:r>
-            <a:r>
-              <a:rPr lang="en-US" dirty="0"/>
-              <a:t>(</a:t>
-            </a:r>
-            <a:r>
-              <a:rPr lang="en-US" dirty="0" err="1"/>
-              <a:t>DonkeyKong</a:t>
-            </a:r>
-            <a:r>
-              <a:rPr lang="en-US" dirty="0"/>
-              <a:t>), </a:t>
-            </a:r>
-            <a:r>
-              <a:rPr lang="en-US" dirty="0" err="1"/>
-              <a:t>GameStatus.DonkeyKong.sizeX</a:t>
-            </a:r>
-            <a:r>
-              <a:rPr lang="en-US" dirty="0"/>
-              <a:t>, </a:t>
-            </a:r>
-            <a:r>
-              <a:rPr lang="en-US" dirty="0" err="1"/>
-              <a:t>GameStatus.DonkeyKong.sizeY</a:t>
-            </a:r>
-            <a:r>
-              <a:rPr lang="en-US" dirty="0"/>
-              <a:t>);</a:t>
-            </a:r>
-          </a:p>
-          <a:p>
-            <a:r>
-              <a:rPr lang="en-US" dirty="0"/>
-              <a:t>                if (rect1.IntersectsWith(rect2</a:t>
-            </a:r>
-            <a:r>
-              <a:rPr lang="en-US" dirty="0" smtClean="0"/>
-              <a:t>)){</a:t>
-            </a:r>
-            <a:endParaRPr lang="en-US" dirty="0"/>
-          </a:p>
-          <a:p>
-            <a:r>
-              <a:rPr lang="en-US" dirty="0"/>
-              <a:t>               </a:t>
-            </a:r>
-            <a:r>
-              <a:rPr lang="en-US" dirty="0" err="1" smtClean="0"/>
-              <a:t>ResetPosition</a:t>
-            </a:r>
-            <a:r>
-              <a:rPr lang="en-US" dirty="0" smtClean="0"/>
-              <a:t>(Player)}</a:t>
-            </a:r>
-            <a:endParaRPr lang="en-US" dirty="0"/>
-          </a:p>
-        </p:txBody>
-      </p:sp>
+              <a:t>break;</a:t>
+            </a:r>
+          </a:p>
+        </p:txBody>
+      </p:sp>
+      <p:pic>
+        <p:nvPicPr>
+          <p:cNvPr id="4" name="Picture 3"/>
+          <p:cNvPicPr>
+            <a:picLocks noChangeAspect="1"/>
+          </p:cNvPicPr>
+          <p:nvPr/>
+        </p:nvPicPr>
+        <p:blipFill>
+          <a:blip r:embed="rId2"/>
+          <a:stretch>
+            <a:fillRect/>
+          </a:stretch>
+        </p:blipFill>
+        <p:spPr>
+          <a:xfrm>
+            <a:off x="162827" y="1644036"/>
+            <a:ext cx="5266482" cy="3801176"/>
+          </a:xfrm>
+          <a:prstGeom prst="rect">
+            <a:avLst/>
+          </a:prstGeom>
+        </p:spPr>
+      </p:pic>
+      <p:pic>
+        <p:nvPicPr>
+          <p:cNvPr id="5" name="Picture 4"/>
+          <p:cNvPicPr>
+            <a:picLocks noChangeAspect="1"/>
+          </p:cNvPicPr>
+          <p:nvPr/>
+        </p:nvPicPr>
+        <p:blipFill>
+          <a:blip r:embed="rId3"/>
+          <a:stretch>
+            <a:fillRect/>
+          </a:stretch>
+        </p:blipFill>
+        <p:spPr>
+          <a:xfrm>
+            <a:off x="5454162" y="1499101"/>
+            <a:ext cx="6575011" cy="4053203"/>
+          </a:xfrm>
+          <a:prstGeom prst="rect">
+            <a:avLst/>
+          </a:prstGeom>
+        </p:spPr>
+      </p:pic>
     </p:spTree>
     <p:extLst>
       <p:ext uri="{BB962C8B-B14F-4D97-AF65-F5344CB8AC3E}">
-        <p14:creationId xmlns:p14="http://schemas.microsoft.com/office/powerpoint/2010/main" val="2656390267"/>
+        <p14:creationId xmlns:p14="http://schemas.microsoft.com/office/powerpoint/2010/main" val="1723050217"/>
       </p:ext>
     </p:extLst>
   </p:cSld>
@@ -3524,8 +3479,8 @@
         </p:nvSpPr>
         <p:spPr>
           <a:xfrm>
-            <a:off x="2992794" y="318472"/>
-            <a:ext cx="6206412" cy="1325563"/>
+            <a:off x="4774941" y="355795"/>
+            <a:ext cx="2642118" cy="1325563"/>
           </a:xfrm>
         </p:spPr>
         <p:txBody>
@@ -3533,202 +3488,78 @@
           <a:lstStyle/>
           <a:p>
             <a:r>
+              <a:rPr lang="en-US" sz="6600" dirty="0" smtClean="0"/>
+              <a:t>Ladder</a:t>
+            </a:r>
+            <a:endParaRPr lang="en-US" dirty="0"/>
+          </a:p>
+        </p:txBody>
+      </p:sp>
+      <p:sp>
+        <p:nvSpPr>
+          <p:cNvPr id="3" name="Content Placeholder 2"/>
+          <p:cNvSpPr>
+            <a:spLocks noGrp="1"/>
+          </p:cNvSpPr>
+          <p:nvPr>
+            <p:ph idx="1"/>
+          </p:nvPr>
+        </p:nvSpPr>
+        <p:spPr/>
+        <p:txBody>
+          <a:bodyPr/>
+          <a:lstStyle/>
+          <a:p>
+            <a:r>
               <a:rPr lang="en-US" dirty="0" smtClean="0"/>
-              <a:t>Player movement Solution</a:t>
-            </a:r>
+              <a:t>Position of ladder</a:t>
+            </a:r>
+          </a:p>
+          <a:p>
+            <a:r>
+              <a:rPr lang="en-US" dirty="0" smtClean="0"/>
+              <a:t>Game Status</a:t>
+            </a:r>
+          </a:p>
+          <a:p>
+            <a:r>
+              <a:rPr lang="en-US" dirty="0" smtClean="0"/>
+              <a:t>Up Key</a:t>
+            </a:r>
+          </a:p>
+          <a:p>
             <a:endParaRPr lang="en-US" dirty="0"/>
           </a:p>
         </p:txBody>
       </p:sp>
-      <p:sp>
-        <p:nvSpPr>
-          <p:cNvPr id="3" name="Content Placeholder 2"/>
-          <p:cNvSpPr>
-            <a:spLocks noGrp="1"/>
-          </p:cNvSpPr>
-          <p:nvPr>
-            <p:ph idx="1"/>
-          </p:nvPr>
-        </p:nvSpPr>
-        <p:spPr/>
-        <p:txBody>
-          <a:bodyPr>
-            <a:normAutofit fontScale="85000" lnSpcReduction="20000"/>
-          </a:bodyPr>
-          <a:lstStyle/>
-          <a:p>
-            <a:r>
-              <a:rPr lang="en-US" dirty="0"/>
-              <a:t> private void </a:t>
-            </a:r>
-            <a:r>
-              <a:rPr lang="en-US" dirty="0" err="1"/>
-              <a:t>tick_Elapsed</a:t>
-            </a:r>
-            <a:r>
-              <a:rPr lang="en-US" dirty="0"/>
-              <a:t>(object sender, </a:t>
-            </a:r>
-            <a:r>
-              <a:rPr lang="en-US" dirty="0" err="1"/>
-              <a:t>ElapsedEventArgs</a:t>
-            </a:r>
-            <a:r>
-              <a:rPr lang="en-US" dirty="0"/>
-              <a:t> e</a:t>
-            </a:r>
-            <a:r>
-              <a:rPr lang="en-US" dirty="0" smtClean="0"/>
-              <a:t>)</a:t>
-            </a:r>
-          </a:p>
-          <a:p>
-            <a:r>
-              <a:rPr lang="en-US" dirty="0" smtClean="0"/>
-              <a:t>===================</a:t>
-            </a:r>
-            <a:endParaRPr lang="en-US" dirty="0"/>
-          </a:p>
-          <a:p>
-            <a:r>
-              <a:rPr lang="en-US" dirty="0"/>
-              <a:t> switch (</a:t>
-            </a:r>
-            <a:r>
-              <a:rPr lang="en-US" dirty="0" err="1"/>
-              <a:t>GameStatus.Player.direction</a:t>
-            </a:r>
-            <a:r>
-              <a:rPr lang="en-US" dirty="0" smtClean="0"/>
-              <a:t>) </a:t>
-            </a:r>
-            <a:r>
-              <a:rPr lang="en-US" dirty="0"/>
-              <a:t>{</a:t>
-            </a:r>
-          </a:p>
-          <a:p>
-            <a:r>
-              <a:rPr lang="en-US" dirty="0"/>
-              <a:t>                    case </a:t>
-            </a:r>
-            <a:r>
-              <a:rPr lang="en-US" dirty="0" err="1"/>
-              <a:t>Direction.Up</a:t>
-            </a:r>
-            <a:r>
-              <a:rPr lang="en-US" dirty="0"/>
-              <a:t>:</a:t>
-            </a:r>
-          </a:p>
-          <a:p>
-            <a:r>
-              <a:rPr lang="en-US" dirty="0"/>
-              <a:t>                        if (</a:t>
-            </a:r>
-            <a:r>
-              <a:rPr lang="en-US" dirty="0" err="1"/>
-              <a:t>GameStatus.Player.posY</a:t>
-            </a:r>
-            <a:r>
-              <a:rPr lang="en-US" dirty="0"/>
-              <a:t> &gt; 360</a:t>
-            </a:r>
-            <a:r>
-              <a:rPr lang="en-US" dirty="0" smtClean="0"/>
-              <a:t>) </a:t>
-            </a:r>
-            <a:r>
-              <a:rPr lang="en-US" dirty="0"/>
-              <a:t>{</a:t>
-            </a:r>
-          </a:p>
-          <a:p>
-            <a:r>
-              <a:rPr lang="en-US" dirty="0"/>
-              <a:t>                            </a:t>
-            </a:r>
-            <a:r>
-              <a:rPr lang="en-US" dirty="0" err="1"/>
-              <a:t>GameStatus.Player.posY</a:t>
-            </a:r>
-            <a:r>
-              <a:rPr lang="en-US" dirty="0"/>
-              <a:t> -= 1 * </a:t>
-            </a:r>
-            <a:r>
-              <a:rPr lang="en-US" dirty="0" err="1"/>
-              <a:t>speed_multiplier</a:t>
-            </a:r>
-            <a:r>
-              <a:rPr lang="en-US" dirty="0" smtClean="0"/>
-              <a:t>; }</a:t>
-            </a:r>
-          </a:p>
-          <a:p>
-            <a:r>
-              <a:rPr lang="en-US" dirty="0" smtClean="0"/>
-              <a:t>===================</a:t>
-            </a:r>
-          </a:p>
-          <a:p>
-            <a:r>
-              <a:rPr lang="en-US" dirty="0"/>
-              <a:t>case </a:t>
-            </a:r>
-            <a:r>
-              <a:rPr lang="en-US" dirty="0" err="1"/>
-              <a:t>Key.Right</a:t>
-            </a:r>
-            <a:r>
-              <a:rPr lang="en-US" dirty="0" smtClean="0"/>
-              <a:t>:</a:t>
-            </a:r>
-          </a:p>
-          <a:p>
-            <a:r>
-              <a:rPr lang="en-US" dirty="0" smtClean="0"/>
-              <a:t>                   </a:t>
-            </a:r>
-          </a:p>
-          <a:p>
-            <a:r>
-              <a:rPr lang="en-US" dirty="0" smtClean="0"/>
-              <a:t>                    </a:t>
-            </a:r>
-            <a:r>
-              <a:rPr lang="en-US" dirty="0" err="1" smtClean="0"/>
-              <a:t>GameStatus.Player.direction</a:t>
-            </a:r>
-            <a:r>
-              <a:rPr lang="en-US" dirty="0" smtClean="0"/>
-              <a:t> = </a:t>
-            </a:r>
-            <a:r>
-              <a:rPr lang="en-US" dirty="0" err="1" smtClean="0"/>
-              <a:t>Direction.Right</a:t>
-            </a:r>
-            <a:r>
-              <a:rPr lang="en-US" dirty="0" smtClean="0"/>
-              <a:t>;</a:t>
-            </a:r>
-          </a:p>
-          <a:p>
-            <a:r>
-              <a:rPr lang="en-US" dirty="0" smtClean="0"/>
-              <a:t>                    </a:t>
-            </a:r>
-            <a:r>
-              <a:rPr lang="en-US" dirty="0"/>
-              <a:t>break;</a:t>
-            </a:r>
-          </a:p>
-        </p:txBody>
-      </p:sp>
+      <p:pic>
+        <p:nvPicPr>
+          <p:cNvPr id="5" name="Picture 4"/>
+          <p:cNvPicPr>
+            <a:picLocks noChangeAspect="1"/>
+          </p:cNvPicPr>
+          <p:nvPr/>
+        </p:nvPicPr>
+        <p:blipFill>
+          <a:blip r:embed="rId2"/>
+          <a:stretch>
+            <a:fillRect/>
+          </a:stretch>
+        </p:blipFill>
+        <p:spPr>
+          <a:xfrm>
+            <a:off x="5923905" y="1681358"/>
+            <a:ext cx="2486025" cy="3200400"/>
+          </a:xfrm>
+          <a:prstGeom prst="rect">
+            <a:avLst/>
+          </a:prstGeom>
+        </p:spPr>
+      </p:pic>
     </p:spTree>
     <p:extLst>
       <p:ext uri="{BB962C8B-B14F-4D97-AF65-F5344CB8AC3E}">
-        <p14:creationId xmlns:p14="http://schemas.microsoft.com/office/powerpoint/2010/main" val="1723050217"/>
+        <p14:creationId xmlns:p14="http://schemas.microsoft.com/office/powerpoint/2010/main" val="698773871"/>
       </p:ext>
     </p:extLst>
   </p:cSld>
@@ -3801,21 +3632,19 @@
         </p:nvSpPr>
         <p:spPr>
           <a:xfrm>
-            <a:off x="3408006" y="234496"/>
-            <a:ext cx="5375988" cy="1325563"/>
+            <a:off x="4462365" y="365125"/>
+            <a:ext cx="3267269" cy="1325563"/>
           </a:xfrm>
         </p:spPr>
         <p:txBody>
-          <a:bodyPr>
-            <a:normAutofit/>
-          </a:bodyPr>
-          <a:lstStyle/>
-          <a:p>
-            <a:r>
-              <a:rPr lang="en-US" sz="7200" dirty="0" smtClean="0"/>
-              <a:t>Future Work</a:t>
-            </a:r>
-            <a:endParaRPr lang="en-US" sz="7200" dirty="0"/>
+          <a:bodyPr/>
+          <a:lstStyle/>
+          <a:p>
+            <a:r>
+              <a:rPr lang="en-US" dirty="0" smtClean="0"/>
+              <a:t>Game Status</a:t>
+            </a:r>
+            <a:endParaRPr lang="en-US" dirty="0"/>
           </a:p>
         </p:txBody>
       </p:sp>
@@ -3829,48 +3658,90 @@
             <p:ph idx="1"/>
           </p:nvPr>
         </p:nvSpPr>
+        <p:spPr/>
+        <p:txBody>
+          <a:bodyPr/>
+          <a:lstStyle/>
+          <a:p>
+            <a:r>
+              <a:rPr lang="en-US" dirty="0" smtClean="0"/>
+              <a:t>Class </a:t>
+            </a:r>
+            <a:r>
+              <a:rPr lang="en-US" dirty="0" err="1" smtClean="0"/>
+              <a:t>gameStatus</a:t>
+            </a:r>
+            <a:endParaRPr lang="en-US" dirty="0" smtClean="0"/>
+          </a:p>
+          <a:p>
+            <a:r>
+              <a:rPr lang="en-US" dirty="0" smtClean="0"/>
+              <a:t>Position X, Y</a:t>
+            </a:r>
+          </a:p>
+          <a:p>
+            <a:r>
+              <a:rPr lang="en-US" dirty="0" smtClean="0"/>
+              <a:t>Canvas Set top/left</a:t>
+            </a:r>
+          </a:p>
+          <a:p>
+            <a:endParaRPr lang="en-US" dirty="0"/>
+          </a:p>
+        </p:txBody>
+      </p:sp>
+      <p:pic>
+        <p:nvPicPr>
+          <p:cNvPr id="4" name="Picture 3"/>
+          <p:cNvPicPr>
+            <a:picLocks noChangeAspect="1"/>
+          </p:cNvPicPr>
+          <p:nvPr/>
+        </p:nvPicPr>
+        <p:blipFill>
+          <a:blip r:embed="rId2"/>
+          <a:stretch>
+            <a:fillRect/>
+          </a:stretch>
+        </p:blipFill>
         <p:spPr>
           <a:xfrm>
-            <a:off x="2509936" y="1825625"/>
-            <a:ext cx="8843864" cy="4351338"/>
+            <a:off x="1017501" y="3512151"/>
+            <a:ext cx="2314575" cy="1695450"/>
           </a:xfrm>
+          <a:prstGeom prst="rect">
+            <a:avLst/>
+          </a:prstGeom>
         </p:spPr>
-        <p:txBody>
-          <a:bodyPr>
-            <a:normAutofit/>
-          </a:bodyPr>
-          <a:lstStyle/>
-          <a:p>
-            <a:r>
-              <a:rPr lang="en-US" sz="4800" dirty="0" smtClean="0"/>
-              <a:t>More levels</a:t>
-            </a:r>
-          </a:p>
-          <a:p>
-            <a:r>
-              <a:rPr lang="en-US" sz="4800" dirty="0" smtClean="0"/>
-              <a:t>DLC</a:t>
-            </a:r>
-          </a:p>
-          <a:p>
-            <a:r>
-              <a:rPr lang="en-US" sz="4800" dirty="0" smtClean="0"/>
-              <a:t>Ladders</a:t>
-            </a:r>
-          </a:p>
-          <a:p>
-            <a:r>
-              <a:rPr lang="en-US" sz="4800" dirty="0" smtClean="0"/>
-              <a:t>Animation of Characters</a:t>
-            </a:r>
-            <a:endParaRPr lang="en-US" sz="4800" dirty="0"/>
-          </a:p>
-        </p:txBody>
-      </p:sp>
+      </p:pic>
+      <p:pic>
+        <p:nvPicPr>
+          <p:cNvPr id="5" name="Picture 4"/>
+          <p:cNvPicPr>
+            <a:picLocks noChangeAspect="1"/>
+          </p:cNvPicPr>
+          <p:nvPr/>
+        </p:nvPicPr>
+        <p:blipFill>
+          <a:blip r:embed="rId3"/>
+          <a:stretch>
+            <a:fillRect/>
+          </a:stretch>
+        </p:blipFill>
+        <p:spPr>
+          <a:xfrm>
+            <a:off x="4270418" y="3424238"/>
+            <a:ext cx="6353175" cy="2752725"/>
+          </a:xfrm>
+          <a:prstGeom prst="rect">
+            <a:avLst/>
+          </a:prstGeom>
+        </p:spPr>
+      </p:pic>
     </p:spTree>
     <p:extLst>
       <p:ext uri="{BB962C8B-B14F-4D97-AF65-F5344CB8AC3E}">
-        <p14:creationId xmlns:p14="http://schemas.microsoft.com/office/powerpoint/2010/main" val="3899177341"/>
+        <p14:creationId xmlns:p14="http://schemas.microsoft.com/office/powerpoint/2010/main" val="2164240414"/>
       </p:ext>
     </p:extLst>
   </p:cSld>
@@ -3943,6 +3814,208 @@
         </p:nvSpPr>
         <p:spPr>
           <a:xfrm>
+            <a:off x="3408006" y="234496"/>
+            <a:ext cx="5375988" cy="1325563"/>
+          </a:xfrm>
+        </p:spPr>
+        <p:txBody>
+          <a:bodyPr>
+            <a:normAutofit/>
+          </a:bodyPr>
+          <a:lstStyle/>
+          <a:p>
+            <a:r>
+              <a:rPr lang="en-US" sz="7200" dirty="0" smtClean="0"/>
+              <a:t>Future Work</a:t>
+            </a:r>
+            <a:endParaRPr lang="en-US" sz="7200" dirty="0"/>
+          </a:p>
+        </p:txBody>
+      </p:sp>
+      <p:sp>
+        <p:nvSpPr>
+          <p:cNvPr id="3" name="Content Placeholder 2"/>
+          <p:cNvSpPr>
+            <a:spLocks noGrp="1"/>
+          </p:cNvSpPr>
+          <p:nvPr>
+            <p:ph idx="1"/>
+          </p:nvPr>
+        </p:nvSpPr>
+        <p:spPr>
+          <a:xfrm>
+            <a:off x="2509936" y="1825625"/>
+            <a:ext cx="8843864" cy="4351338"/>
+          </a:xfrm>
+        </p:spPr>
+        <p:txBody>
+          <a:bodyPr>
+            <a:normAutofit/>
+          </a:bodyPr>
+          <a:lstStyle/>
+          <a:p>
+            <a:r>
+              <a:rPr lang="en-US" sz="4800" dirty="0" smtClean="0"/>
+              <a:t>More levels</a:t>
+            </a:r>
+          </a:p>
+          <a:p>
+            <a:r>
+              <a:rPr lang="en-US" sz="4800" dirty="0" smtClean="0"/>
+              <a:t>DLC</a:t>
+            </a:r>
+          </a:p>
+          <a:p>
+            <a:r>
+              <a:rPr lang="en-US" sz="4800" dirty="0" smtClean="0"/>
+              <a:t>Ladders</a:t>
+            </a:r>
+          </a:p>
+          <a:p>
+            <a:r>
+              <a:rPr lang="en-US" sz="4800" dirty="0" smtClean="0"/>
+              <a:t>Animation of Characters</a:t>
+            </a:r>
+            <a:endParaRPr lang="en-US" sz="4800" dirty="0"/>
+          </a:p>
+        </p:txBody>
+      </p:sp>
+      <p:pic>
+        <p:nvPicPr>
+          <p:cNvPr id="4" name="Picture 3"/>
+          <p:cNvPicPr>
+            <a:picLocks noChangeAspect="1"/>
+          </p:cNvPicPr>
+          <p:nvPr/>
+        </p:nvPicPr>
+        <p:blipFill>
+          <a:blip r:embed="rId2">
+            <a:extLst>
+              <a:ext uri="{28A0092B-C50C-407E-A947-70E740481C1C}">
+                <a14:useLocalDpi xmlns:a14="http://schemas.microsoft.com/office/drawing/2010/main" val="0"/>
+              </a:ext>
+            </a:extLst>
+          </a:blip>
+          <a:stretch>
+            <a:fillRect/>
+          </a:stretch>
+        </p:blipFill>
+        <p:spPr>
+          <a:xfrm>
+            <a:off x="8274136" y="-52089"/>
+            <a:ext cx="3917864" cy="3489862"/>
+          </a:xfrm>
+          <a:prstGeom prst="rect">
+            <a:avLst/>
+          </a:prstGeom>
+        </p:spPr>
+      </p:pic>
+    </p:spTree>
+    <p:extLst>
+      <p:ext uri="{BB962C8B-B14F-4D97-AF65-F5344CB8AC3E}">
+        <p14:creationId xmlns:p14="http://schemas.microsoft.com/office/powerpoint/2010/main" val="3899177341"/>
+      </p:ext>
+    </p:extLst>
+  </p:cSld>
+  <p:clrMapOvr>
+    <a:masterClrMapping/>
+  </p:clrMapOvr>
+</p:sld>
+</file>
+
+<file path=ppt/slides/slide14.xml><?xml version="1.0" encoding="utf-8"?>
+<p:sld xmlns:a="http://schemas.openxmlformats.org/drawingml/2006/main" xmlns:r="http://schemas.openxmlformats.org/officeDocument/2006/relationships" xmlns:p="http://schemas.openxmlformats.org/presentationml/2006/main">
+  <p:cSld>
+    <p:bg>
+      <p:bgPr>
+        <a:gradFill>
+          <a:gsLst>
+            <a:gs pos="0">
+              <a:schemeClr val="accent1">
+                <a:lumMod val="5000"/>
+                <a:lumOff val="95000"/>
+              </a:schemeClr>
+            </a:gs>
+            <a:gs pos="74000">
+              <a:schemeClr val="accent1">
+                <a:lumMod val="45000"/>
+                <a:lumOff val="55000"/>
+              </a:schemeClr>
+            </a:gs>
+            <a:gs pos="83000">
+              <a:schemeClr val="accent1">
+                <a:lumMod val="45000"/>
+                <a:lumOff val="55000"/>
+              </a:schemeClr>
+            </a:gs>
+            <a:gs pos="100000">
+              <a:schemeClr val="accent1">
+                <a:lumMod val="30000"/>
+                <a:lumOff val="70000"/>
+              </a:schemeClr>
+            </a:gs>
+          </a:gsLst>
+          <a:lin ang="5400000" scaled="1"/>
+        </a:gradFill>
+        <a:effectLst/>
+      </p:bgPr>
+    </p:bg>
+    <p:spTree>
+      <p:nvGrpSpPr>
+        <p:cNvPr id="1" name=""/>
+        <p:cNvGrpSpPr/>
+        <p:nvPr/>
+      </p:nvGrpSpPr>
+      <p:grpSpPr>
+        <a:xfrm>
+          <a:off x="0" y="0"/>
+          <a:ext cx="0" cy="0"/>
+          <a:chOff x="0" y="0"/>
+          <a:chExt cx="0" cy="0"/>
+        </a:xfrm>
+      </p:grpSpPr>
+      <p:pic>
+        <p:nvPicPr>
+          <p:cNvPr id="4" name="Picture 3"/>
+          <p:cNvPicPr>
+            <a:picLocks noChangeAspect="1"/>
+          </p:cNvPicPr>
+          <p:nvPr/>
+        </p:nvPicPr>
+        <p:blipFill>
+          <a:blip r:embed="rId2">
+            <a:extLst>
+              <a:ext uri="{28A0092B-C50C-407E-A947-70E740481C1C}">
+                <a14:useLocalDpi xmlns:a14="http://schemas.microsoft.com/office/drawing/2010/main" val="0"/>
+              </a:ext>
+            </a:extLst>
+          </a:blip>
+          <a:stretch>
+            <a:fillRect/>
+          </a:stretch>
+        </p:blipFill>
+        <p:spPr>
+          <a:xfrm>
+            <a:off x="-21967" y="-82378"/>
+            <a:ext cx="12338447" cy="6940377"/>
+          </a:xfrm>
+          <a:prstGeom prst="rect">
+            <a:avLst/>
+          </a:prstGeom>
+        </p:spPr>
+      </p:pic>
+      <p:sp>
+        <p:nvSpPr>
+          <p:cNvPr id="2" name="Title 1"/>
+          <p:cNvSpPr>
+            <a:spLocks noGrp="1"/>
+          </p:cNvSpPr>
+          <p:nvPr>
+            <p:ph type="title"/>
+          </p:nvPr>
+        </p:nvSpPr>
+        <p:spPr>
+          <a:xfrm>
             <a:off x="4234543" y="253158"/>
             <a:ext cx="4666861" cy="1325563"/>
           </a:xfrm>
@@ -3983,33 +4056,29 @@
           </a:bodyPr>
           <a:lstStyle/>
           <a:p>
-            <a:pPr algn="ctr"/>
-            <a:r>
-              <a:rPr lang="en-US" sz="4800" dirty="0" smtClean="0"/>
+            <a:r>
+              <a:rPr lang="en-US" sz="3600" dirty="0" smtClean="0"/>
               <a:t>Wasted One Week on Movement</a:t>
             </a:r>
           </a:p>
           <a:p>
-            <a:pPr algn="ctr"/>
-            <a:r>
-              <a:rPr lang="en-US" sz="4800" dirty="0" smtClean="0"/>
+            <a:r>
+              <a:rPr lang="en-US" sz="3600" dirty="0" smtClean="0"/>
               <a:t>3 days on collision</a:t>
             </a:r>
           </a:p>
           <a:p>
-            <a:pPr algn="ctr"/>
-            <a:r>
-              <a:rPr lang="en-US" sz="4800" dirty="0" smtClean="0"/>
+            <a:r>
+              <a:rPr lang="en-US" sz="3600" dirty="0" smtClean="0"/>
               <a:t>2 days on the rest(already over)</a:t>
             </a:r>
           </a:p>
           <a:p>
-            <a:pPr algn="ctr"/>
-            <a:r>
-              <a:rPr lang="en-US" sz="4800" dirty="0" smtClean="0"/>
+            <a:r>
+              <a:rPr lang="en-US" sz="3600" dirty="0" smtClean="0"/>
               <a:t>WPF Problems</a:t>
             </a:r>
-            <a:endParaRPr lang="en-US" sz="4800" dirty="0"/>
+            <a:endParaRPr lang="en-US" sz="3600" dirty="0"/>
           </a:p>
         </p:txBody>
       </p:sp>
@@ -4628,21 +4697,17 @@
             <p:ph type="title"/>
           </p:nvPr>
         </p:nvSpPr>
-        <p:spPr>
-          <a:xfrm>
-            <a:off x="3449994" y="225166"/>
-            <a:ext cx="5292012" cy="1325563"/>
-          </a:xfrm>
-        </p:spPr>
+        <p:spPr/>
         <p:txBody>
           <a:bodyPr>
-            <a:noAutofit/>
+            <a:normAutofit/>
           </a:bodyPr>
           <a:lstStyle/>
           <a:p>
+            <a:pPr algn="ctr"/>
             <a:r>
               <a:rPr lang="en-US" sz="6000" dirty="0" smtClean="0"/>
-              <a:t>Score Window</a:t>
+              <a:t>Enemies Movement</a:t>
             </a:r>
             <a:endParaRPr lang="en-US" sz="6000" dirty="0"/>
           </a:p>
@@ -4666,84 +4731,18 @@
         </p:blipFill>
         <p:spPr>
           <a:xfrm>
-            <a:off x="5695970" y="1685666"/>
-            <a:ext cx="4513643" cy="4351338"/>
+            <a:off x="2467812" y="2513713"/>
+            <a:ext cx="7534275" cy="1447800"/>
           </a:xfrm>
           <a:prstGeom prst="rect">
             <a:avLst/>
           </a:prstGeom>
         </p:spPr>
       </p:pic>
-      <p:sp>
-        <p:nvSpPr>
-          <p:cNvPr id="5" name="TextBox 4"/>
-          <p:cNvSpPr txBox="1"/>
-          <p:nvPr/>
-        </p:nvSpPr>
-        <p:spPr>
-          <a:xfrm>
-            <a:off x="1371600" y="2127380"/>
-            <a:ext cx="3900196" cy="2339102"/>
-          </a:xfrm>
-          <a:prstGeom prst="rect">
-            <a:avLst/>
-          </a:prstGeom>
-          <a:noFill/>
-        </p:spPr>
-        <p:txBody>
-          <a:bodyPr wrap="square" rtlCol="0">
-            <a:spAutoFit/>
-          </a:bodyPr>
-          <a:lstStyle/>
-          <a:p>
-            <a:pPr marL="285750" indent="-285750">
-              <a:buFont typeface="Arial" panose="020B0604020202020204" pitchFamily="34" charset="0"/>
-              <a:buChar char="•"/>
-            </a:pPr>
-            <a:r>
-              <a:rPr lang="en-US" sz="3200" dirty="0" smtClean="0"/>
-              <a:t>Get Name and Score</a:t>
-            </a:r>
-          </a:p>
-          <a:p>
-            <a:pPr marL="285750" indent="-285750">
-              <a:buFont typeface="Arial" panose="020B0604020202020204" pitchFamily="34" charset="0"/>
-              <a:buChar char="•"/>
-            </a:pPr>
-            <a:r>
-              <a:rPr lang="en-US" sz="3200" dirty="0" smtClean="0"/>
-              <a:t>Set in List Box</a:t>
-            </a:r>
-          </a:p>
-          <a:p>
-            <a:pPr marL="285750" indent="-285750">
-              <a:buFont typeface="Arial" panose="020B0604020202020204" pitchFamily="34" charset="0"/>
-              <a:buChar char="•"/>
-            </a:pPr>
-            <a:r>
-              <a:rPr lang="en-US" sz="3200" dirty="0" smtClean="0"/>
-              <a:t>Start Again</a:t>
-            </a:r>
-          </a:p>
-          <a:p>
-            <a:pPr marL="285750" indent="-285750">
-              <a:buFont typeface="Arial" panose="020B0604020202020204" pitchFamily="34" charset="0"/>
-              <a:buChar char="•"/>
-            </a:pPr>
-            <a:r>
-              <a:rPr lang="en-US" sz="3200" dirty="0" smtClean="0"/>
-              <a:t>Database</a:t>
-            </a:r>
-          </a:p>
-          <a:p>
-            <a:endParaRPr lang="en-US" dirty="0"/>
-          </a:p>
-        </p:txBody>
-      </p:sp>
     </p:spTree>
     <p:extLst>
       <p:ext uri="{BB962C8B-B14F-4D97-AF65-F5344CB8AC3E}">
-        <p14:creationId xmlns:p14="http://schemas.microsoft.com/office/powerpoint/2010/main" val="1845279751"/>
+        <p14:creationId xmlns:p14="http://schemas.microsoft.com/office/powerpoint/2010/main" val="548297583"/>
       </p:ext>
     </p:extLst>
   </p:cSld>
@@ -4816,61 +4815,112 @@
         </p:nvSpPr>
         <p:spPr>
           <a:xfrm>
-            <a:off x="4578998" y="253158"/>
-            <a:ext cx="3034004" cy="1325563"/>
+            <a:off x="3449994" y="225166"/>
+            <a:ext cx="5292012" cy="1325563"/>
           </a:xfrm>
         </p:spPr>
         <p:txBody>
           <a:bodyPr>
-            <a:normAutofit/>
+            <a:noAutofit/>
           </a:bodyPr>
           <a:lstStyle/>
           <a:p>
             <a:r>
               <a:rPr lang="en-US" sz="6000" dirty="0" smtClean="0"/>
-              <a:t>Collision</a:t>
+              <a:t>Score Window</a:t>
             </a:r>
             <a:endParaRPr lang="en-US" sz="6000" dirty="0"/>
           </a:p>
         </p:txBody>
       </p:sp>
-      <p:sp>
-        <p:nvSpPr>
-          <p:cNvPr id="3" name="Content Placeholder 2"/>
-          <p:cNvSpPr>
-            <a:spLocks noGrp="1"/>
-          </p:cNvSpPr>
+      <p:pic>
+        <p:nvPicPr>
+          <p:cNvPr id="4" name="Content Placeholder 3"/>
+          <p:cNvPicPr>
+            <a:picLocks noGrp="1" noChangeAspect="1"/>
+          </p:cNvPicPr>
           <p:nvPr>
             <p:ph idx="1"/>
           </p:nvPr>
-        </p:nvSpPr>
-        <p:spPr/>
-        <p:txBody>
-          <a:bodyPr/>
-          <a:lstStyle/>
-          <a:p>
-            <a:r>
-              <a:rPr lang="en-US" dirty="0" smtClean="0"/>
-              <a:t>Image does not support Intersect</a:t>
-            </a:r>
-          </a:p>
-          <a:p>
-            <a:r>
-              <a:rPr lang="en-US" dirty="0" smtClean="0"/>
-              <a:t>Location doesn't detect size</a:t>
-            </a:r>
-          </a:p>
-          <a:p>
-            <a:r>
-              <a:rPr lang="en-US" dirty="0" smtClean="0"/>
-              <a:t>Reset player</a:t>
-            </a:r>
-          </a:p>
-          <a:p>
-            <a:r>
-              <a:rPr lang="en-US" dirty="0" smtClean="0"/>
-              <a:t>Add points</a:t>
-            </a:r>
+        </p:nvPicPr>
+        <p:blipFill>
+          <a:blip r:embed="rId2"/>
+          <a:stretch>
+            <a:fillRect/>
+          </a:stretch>
+        </p:blipFill>
+        <p:spPr>
+          <a:xfrm>
+            <a:off x="5695970" y="1685666"/>
+            <a:ext cx="4513643" cy="4351338"/>
+          </a:xfrm>
+          <a:prstGeom prst="rect">
+            <a:avLst/>
+          </a:prstGeom>
+        </p:spPr>
+      </p:pic>
+      <p:sp>
+        <p:nvSpPr>
+          <p:cNvPr id="5" name="TextBox 4"/>
+          <p:cNvSpPr txBox="1"/>
+          <p:nvPr/>
+        </p:nvSpPr>
+        <p:spPr>
+          <a:xfrm>
+            <a:off x="1371600" y="2127380"/>
+            <a:ext cx="3900196" cy="2339102"/>
+          </a:xfrm>
+          <a:prstGeom prst="rect">
+            <a:avLst/>
+          </a:prstGeom>
+          <a:noFill/>
+        </p:spPr>
+        <p:txBody>
+          <a:bodyPr wrap="square" rtlCol="0">
+            <a:spAutoFit/>
+          </a:bodyPr>
+          <a:lstStyle/>
+          <a:p>
+            <a:pPr marL="285750" indent="-285750">
+              <a:buFont typeface="Arial" panose="020B0604020202020204" pitchFamily="34" charset="0"/>
+              <a:buChar char="•"/>
+            </a:pPr>
+            <a:r>
+              <a:rPr lang="en-US" sz="3200" dirty="0" smtClean="0"/>
+              <a:t>Get Name and Score</a:t>
+            </a:r>
+          </a:p>
+          <a:p>
+            <a:pPr marL="285750" indent="-285750">
+              <a:buFont typeface="Arial" panose="020B0604020202020204" pitchFamily="34" charset="0"/>
+              <a:buChar char="•"/>
+            </a:pPr>
+            <a:r>
+              <a:rPr lang="en-US" sz="3200" dirty="0" smtClean="0"/>
+              <a:t>Set in List Box</a:t>
+            </a:r>
+          </a:p>
+          <a:p>
+            <a:pPr marL="285750" indent="-285750">
+              <a:buFont typeface="Arial" panose="020B0604020202020204" pitchFamily="34" charset="0"/>
+              <a:buChar char="•"/>
+            </a:pPr>
+            <a:r>
+              <a:rPr lang="en-US" sz="3200" dirty="0" smtClean="0"/>
+              <a:t>Start Again</a:t>
+            </a:r>
+          </a:p>
+          <a:p>
+            <a:pPr marL="285750" indent="-285750">
+              <a:buFont typeface="Arial" panose="020B0604020202020204" pitchFamily="34" charset="0"/>
+              <a:buChar char="•"/>
+            </a:pPr>
+            <a:r>
+              <a:rPr lang="en-US" sz="3200" dirty="0" smtClean="0"/>
+              <a:t>Database</a:t>
+            </a:r>
+          </a:p>
+          <a:p>
             <a:endParaRPr lang="en-US" dirty="0"/>
           </a:p>
         </p:txBody>
@@ -4878,7 +4928,7 @@
     </p:spTree>
     <p:extLst>
       <p:ext uri="{BB962C8B-B14F-4D97-AF65-F5344CB8AC3E}">
-        <p14:creationId xmlns:p14="http://schemas.microsoft.com/office/powerpoint/2010/main" val="2447164781"/>
+        <p14:creationId xmlns:p14="http://schemas.microsoft.com/office/powerpoint/2010/main" val="1845279751"/>
       </p:ext>
     </p:extLst>
   </p:cSld>
@@ -4949,6 +4999,36 @@
             <p:ph type="title"/>
           </p:nvPr>
         </p:nvSpPr>
+        <p:spPr>
+          <a:xfrm>
+            <a:off x="4578998" y="253158"/>
+            <a:ext cx="3034004" cy="1325563"/>
+          </a:xfrm>
+        </p:spPr>
+        <p:txBody>
+          <a:bodyPr>
+            <a:normAutofit/>
+          </a:bodyPr>
+          <a:lstStyle/>
+          <a:p>
+            <a:r>
+              <a:rPr lang="en-US" sz="6000" dirty="0" smtClean="0"/>
+              <a:t>Collision</a:t>
+            </a:r>
+            <a:endParaRPr lang="en-US" sz="6000" dirty="0"/>
+          </a:p>
+        </p:txBody>
+      </p:sp>
+      <p:sp>
+        <p:nvSpPr>
+          <p:cNvPr id="3" name="Content Placeholder 2"/>
+          <p:cNvSpPr>
+            <a:spLocks noGrp="1"/>
+          </p:cNvSpPr>
+          <p:nvPr>
+            <p:ph idx="1"/>
+          </p:nvPr>
+        </p:nvSpPr>
         <p:spPr/>
         <p:txBody>
           <a:bodyPr/>
@@ -4956,108 +5036,25 @@
           <a:p>
             <a:r>
               <a:rPr lang="en-US" dirty="0" smtClean="0"/>
-              <a:t>Jumping</a:t>
-            </a:r>
-            <a:endParaRPr lang="en-US" dirty="0"/>
-          </a:p>
-        </p:txBody>
-      </p:sp>
-      <p:sp>
-        <p:nvSpPr>
-          <p:cNvPr id="3" name="Content Placeholder 2"/>
-          <p:cNvSpPr>
-            <a:spLocks noGrp="1"/>
-          </p:cNvSpPr>
-          <p:nvPr>
-            <p:ph idx="1"/>
-          </p:nvPr>
-        </p:nvSpPr>
-        <p:spPr/>
-        <p:txBody>
-          <a:bodyPr/>
-          <a:lstStyle/>
-          <a:p>
-            <a:r>
-              <a:rPr lang="en-US" dirty="0"/>
-              <a:t>public double </a:t>
-            </a:r>
-            <a:r>
-              <a:rPr lang="en-US" dirty="0" err="1"/>
-              <a:t>JumpProgress</a:t>
-            </a:r>
+              <a:t>Image does not support Intersect</a:t>
+            </a:r>
+          </a:p>
+          <a:p>
             <a:r>
               <a:rPr lang="en-US" dirty="0" smtClean="0"/>
-              <a:t>;</a:t>
-            </a:r>
-          </a:p>
-          <a:p>
-            <a:r>
-              <a:rPr lang="en-US" dirty="0"/>
-              <a:t>public </a:t>
-            </a:r>
-            <a:r>
-              <a:rPr lang="en-US" dirty="0" err="1"/>
-              <a:t>int</a:t>
-            </a:r>
-            <a:r>
-              <a:rPr lang="en-US" dirty="0"/>
-              <a:t>[] </a:t>
-            </a:r>
-            <a:r>
-              <a:rPr lang="en-US" dirty="0" err="1"/>
-              <a:t>JumpHeight</a:t>
-            </a:r>
-            <a:r>
-              <a:rPr lang="en-US" dirty="0"/>
-              <a:t> = new </a:t>
-            </a:r>
-            <a:r>
-              <a:rPr lang="en-US" dirty="0" err="1"/>
-              <a:t>int</a:t>
-            </a:r>
-            <a:r>
-              <a:rPr lang="en-US" dirty="0"/>
-              <a:t>[10] { 0, 4, 7, 9, 12, 13, 12, 9, 7, 4 </a:t>
-            </a:r>
+              <a:t>Location doesn't detect size</a:t>
+            </a:r>
+          </a:p>
+          <a:p>
             <a:r>
               <a:rPr lang="en-US" dirty="0" smtClean="0"/>
-              <a:t>};</a:t>
-            </a:r>
-          </a:p>
-          <a:p>
-            <a:r>
-              <a:rPr lang="en-US" dirty="0"/>
-              <a:t>private </a:t>
-            </a:r>
-            <a:r>
-              <a:rPr lang="en-US" dirty="0" err="1"/>
-              <a:t>int</a:t>
-            </a:r>
-            <a:r>
-              <a:rPr lang="en-US" dirty="0"/>
-              <a:t> </a:t>
-            </a:r>
-            <a:r>
-              <a:rPr lang="en-US" dirty="0" err="1"/>
-              <a:t>jump_multiplier</a:t>
-            </a:r>
-            <a:r>
-              <a:rPr lang="en-US" dirty="0"/>
-              <a:t> = 2</a:t>
-            </a:r>
+              <a:t>Reset player</a:t>
+            </a:r>
+          </a:p>
+          <a:p>
             <a:r>
               <a:rPr lang="en-US" dirty="0" smtClean="0"/>
-              <a:t>;</a:t>
-            </a:r>
-          </a:p>
-          <a:p>
-            <a:r>
-              <a:rPr lang="en-US" dirty="0" smtClean="0"/>
-              <a:t>Game Status </a:t>
-            </a:r>
-            <a:r>
-              <a:rPr lang="en-US" dirty="0" err="1" smtClean="0"/>
-              <a:t>posY</a:t>
+              <a:t>Add points</a:t>
             </a:r>
             <a:endParaRPr lang="en-US" dirty="0"/>
           </a:p>
@@ -5066,7 +5063,7 @@
     </p:spTree>
     <p:extLst>
       <p:ext uri="{BB962C8B-B14F-4D97-AF65-F5344CB8AC3E}">
-        <p14:creationId xmlns:p14="http://schemas.microsoft.com/office/powerpoint/2010/main" val="2527116023"/>
+        <p14:creationId xmlns:p14="http://schemas.microsoft.com/office/powerpoint/2010/main" val="2447164781"/>
       </p:ext>
     </p:extLst>
   </p:cSld>
@@ -5139,8 +5136,8 @@
         </p:nvSpPr>
         <p:spPr>
           <a:xfrm>
-            <a:off x="4774941" y="355795"/>
-            <a:ext cx="2642118" cy="1325563"/>
+            <a:off x="4084475" y="225166"/>
+            <a:ext cx="4023049" cy="1325563"/>
           </a:xfrm>
         </p:spPr>
         <p:txBody>
@@ -5148,8 +5145,8 @@
           <a:lstStyle/>
           <a:p>
             <a:r>
-              <a:rPr lang="en-US" sz="6600" dirty="0" smtClean="0"/>
-              <a:t>Ladder</a:t>
+              <a:rPr lang="en-US" dirty="0" smtClean="0"/>
+              <a:t>Solved Collision</a:t>
             </a:r>
             <a:endParaRPr lang="en-US" dirty="0"/>
           </a:p>
@@ -5167,35 +5164,186 @@
         </p:nvSpPr>
         <p:spPr/>
         <p:txBody>
-          <a:bodyPr/>
-          <a:lstStyle/>
-          <a:p>
+          <a:bodyPr>
+            <a:normAutofit/>
+          </a:bodyPr>
+          <a:lstStyle/>
+          <a:p>
+            <a:r>
+              <a:rPr lang="en-US" dirty="0" err="1"/>
+              <a:t>Rect</a:t>
+            </a:r>
+            <a:r>
+              <a:rPr lang="en-US" dirty="0"/>
+              <a:t> rect1 = new </a:t>
+            </a:r>
+            <a:r>
+              <a:rPr lang="en-US" dirty="0" err="1"/>
+              <a:t>Rect</a:t>
+            </a:r>
+            <a:r>
+              <a:rPr lang="en-US" dirty="0"/>
+              <a:t>(</a:t>
+            </a:r>
+            <a:r>
+              <a:rPr lang="en-US" dirty="0" err="1"/>
+              <a:t>Canvas.GetLeft</a:t>
+            </a:r>
+            <a:r>
+              <a:rPr lang="en-US" dirty="0"/>
+              <a:t>(Player), </a:t>
+            </a:r>
+            <a:r>
+              <a:rPr lang="en-US" dirty="0" err="1"/>
+              <a:t>Canvas.GetTop</a:t>
+            </a:r>
+            <a:r>
+              <a:rPr lang="en-US" dirty="0"/>
+              <a:t>(Player), </a:t>
+            </a:r>
+            <a:r>
+              <a:rPr lang="en-US" dirty="0" err="1"/>
+              <a:t>GameStatus.Player.sizeX</a:t>
+            </a:r>
+            <a:r>
+              <a:rPr lang="en-US" dirty="0"/>
+              <a:t>, </a:t>
+            </a:r>
+            <a:r>
+              <a:rPr lang="en-US" dirty="0" err="1"/>
+              <a:t>GameStatus.Player.sizeY</a:t>
+            </a:r>
+            <a:r>
+              <a:rPr lang="en-US" dirty="0"/>
+              <a:t>);</a:t>
+            </a:r>
+          </a:p>
+          <a:p>
+            <a:r>
+              <a:rPr lang="en-US" dirty="0"/>
+              <a:t>                </a:t>
+            </a:r>
+            <a:r>
+              <a:rPr lang="en-US" dirty="0" err="1"/>
+              <a:t>Rect</a:t>
+            </a:r>
+            <a:r>
+              <a:rPr lang="en-US" dirty="0"/>
+              <a:t> rect2 = new </a:t>
+            </a:r>
+            <a:r>
+              <a:rPr lang="en-US" dirty="0" err="1"/>
+              <a:t>Rect</a:t>
+            </a:r>
+            <a:r>
+              <a:rPr lang="en-US" dirty="0"/>
+              <a:t>(</a:t>
+            </a:r>
+            <a:r>
+              <a:rPr lang="en-US" dirty="0" err="1"/>
+              <a:t>Canvas.GetLeft</a:t>
+            </a:r>
+            <a:r>
+              <a:rPr lang="en-US" dirty="0"/>
+              <a:t>(</a:t>
+            </a:r>
+            <a:r>
+              <a:rPr lang="en-US" dirty="0" err="1"/>
+              <a:t>DonkeyKong</a:t>
+            </a:r>
+            <a:r>
+              <a:rPr lang="en-US" dirty="0"/>
+              <a:t>), </a:t>
+            </a:r>
+            <a:r>
+              <a:rPr lang="en-US" dirty="0" err="1"/>
+              <a:t>Canvas.GetTop</a:t>
+            </a:r>
+            <a:r>
+              <a:rPr lang="en-US" dirty="0"/>
+              <a:t>(</a:t>
+            </a:r>
+            <a:r>
+              <a:rPr lang="en-US" dirty="0" err="1"/>
+              <a:t>DonkeyKong</a:t>
+            </a:r>
+            <a:r>
+              <a:rPr lang="en-US" dirty="0"/>
+              <a:t>), </a:t>
+            </a:r>
+            <a:r>
+              <a:rPr lang="en-US" dirty="0" err="1"/>
+              <a:t>GameStatus.DonkeyKong.sizeX</a:t>
+            </a:r>
+            <a:r>
+              <a:rPr lang="en-US" dirty="0"/>
+              <a:t>, </a:t>
+            </a:r>
+            <a:r>
+              <a:rPr lang="en-US" dirty="0" err="1"/>
+              <a:t>GameStatus.DonkeyKong.sizeY</a:t>
+            </a:r>
+            <a:r>
+              <a:rPr lang="en-US" dirty="0"/>
+              <a:t>);</a:t>
+            </a:r>
+          </a:p>
+          <a:p>
+            <a:r>
+              <a:rPr lang="en-US" dirty="0"/>
+              <a:t>                if (rect1.IntersectsWith(rect2</a:t>
+            </a:r>
             <a:r>
               <a:rPr lang="en-US" dirty="0" smtClean="0"/>
-              <a:t>Position of ladder</a:t>
-            </a:r>
-          </a:p>
-          <a:p>
+              <a:t>)){</a:t>
+            </a:r>
+            <a:endParaRPr lang="en-US" dirty="0"/>
+          </a:p>
+          <a:p>
+            <a:r>
+              <a:rPr lang="en-US" dirty="0"/>
+              <a:t>               </a:t>
+            </a:r>
+            <a:r>
+              <a:rPr lang="en-US" dirty="0" err="1" smtClean="0"/>
+              <a:t>ResetPosition</a:t>
+            </a:r>
             <a:r>
               <a:rPr lang="en-US" dirty="0" smtClean="0"/>
-              <a:t>Game Status</a:t>
-            </a:r>
-          </a:p>
-          <a:p>
-            <a:r>
-              <a:rPr lang="en-US" dirty="0" smtClean="0"/>
-              <a:t>Up Key</a:t>
-            </a:r>
-          </a:p>
-          <a:p>
+              <a:t>(Player)}</a:t>
+            </a:r>
             <a:endParaRPr lang="en-US" dirty="0"/>
           </a:p>
         </p:txBody>
       </p:sp>
+      <p:pic>
+        <p:nvPicPr>
+          <p:cNvPr id="4" name="Picture 3"/>
+          <p:cNvPicPr>
+            <a:picLocks noChangeAspect="1"/>
+          </p:cNvPicPr>
+          <p:nvPr/>
+        </p:nvPicPr>
+        <p:blipFill>
+          <a:blip r:embed="rId2"/>
+          <a:stretch>
+            <a:fillRect/>
+          </a:stretch>
+        </p:blipFill>
+        <p:spPr>
+          <a:xfrm>
+            <a:off x="576262" y="1800225"/>
+            <a:ext cx="11039475" cy="3257550"/>
+          </a:xfrm>
+          <a:prstGeom prst="rect">
+            <a:avLst/>
+          </a:prstGeom>
+        </p:spPr>
+      </p:pic>
     </p:spTree>
     <p:extLst>
       <p:ext uri="{BB962C8B-B14F-4D97-AF65-F5344CB8AC3E}">
-        <p14:creationId xmlns:p14="http://schemas.microsoft.com/office/powerpoint/2010/main" val="698773871"/>
+        <p14:creationId xmlns:p14="http://schemas.microsoft.com/office/powerpoint/2010/main" val="2656390267"/>
       </p:ext>
     </p:extLst>
   </p:cSld>
@@ -5266,70 +5414,148 @@
             <p:ph type="title"/>
           </p:nvPr>
         </p:nvSpPr>
+        <p:spPr/>
+        <p:txBody>
+          <a:bodyPr/>
+          <a:lstStyle/>
+          <a:p>
+            <a:r>
+              <a:rPr lang="en-US" dirty="0" smtClean="0"/>
+              <a:t>Jumping</a:t>
+            </a:r>
+            <a:endParaRPr lang="en-US" dirty="0"/>
+          </a:p>
+        </p:txBody>
+      </p:sp>
+      <p:sp>
+        <p:nvSpPr>
+          <p:cNvPr id="3" name="Content Placeholder 2"/>
+          <p:cNvSpPr>
+            <a:spLocks noGrp="1"/>
+          </p:cNvSpPr>
+          <p:nvPr>
+            <p:ph idx="1"/>
+          </p:nvPr>
+        </p:nvSpPr>
+        <p:spPr/>
+        <p:txBody>
+          <a:bodyPr/>
+          <a:lstStyle/>
+          <a:p>
+            <a:r>
+              <a:rPr lang="en-US" dirty="0"/>
+              <a:t>public double </a:t>
+            </a:r>
+            <a:r>
+              <a:rPr lang="en-US" dirty="0" err="1"/>
+              <a:t>JumpProgress</a:t>
+            </a:r>
+            <a:r>
+              <a:rPr lang="en-US" dirty="0" smtClean="0"/>
+              <a:t>;</a:t>
+            </a:r>
+          </a:p>
+          <a:p>
+            <a:r>
+              <a:rPr lang="en-US" dirty="0"/>
+              <a:t>public </a:t>
+            </a:r>
+            <a:r>
+              <a:rPr lang="en-US" dirty="0" err="1"/>
+              <a:t>int</a:t>
+            </a:r>
+            <a:r>
+              <a:rPr lang="en-US" dirty="0"/>
+              <a:t>[] </a:t>
+            </a:r>
+            <a:r>
+              <a:rPr lang="en-US" dirty="0" err="1"/>
+              <a:t>JumpHeight</a:t>
+            </a:r>
+            <a:r>
+              <a:rPr lang="en-US" dirty="0"/>
+              <a:t> = new </a:t>
+            </a:r>
+            <a:r>
+              <a:rPr lang="en-US" dirty="0" err="1"/>
+              <a:t>int</a:t>
+            </a:r>
+            <a:r>
+              <a:rPr lang="en-US" dirty="0"/>
+              <a:t>[10] { 0, 4, 7, 9, 12, 13, 12, 9, 7, 4 </a:t>
+            </a:r>
+            <a:r>
+              <a:rPr lang="en-US" dirty="0" smtClean="0"/>
+              <a:t>};</a:t>
+            </a:r>
+          </a:p>
+          <a:p>
+            <a:r>
+              <a:rPr lang="en-US" dirty="0"/>
+              <a:t>private </a:t>
+            </a:r>
+            <a:r>
+              <a:rPr lang="en-US" dirty="0" err="1"/>
+              <a:t>int</a:t>
+            </a:r>
+            <a:r>
+              <a:rPr lang="en-US" dirty="0"/>
+              <a:t> </a:t>
+            </a:r>
+            <a:r>
+              <a:rPr lang="en-US" dirty="0" err="1"/>
+              <a:t>jump_multiplier</a:t>
+            </a:r>
+            <a:r>
+              <a:rPr lang="en-US" dirty="0"/>
+              <a:t> = 2</a:t>
+            </a:r>
+            <a:r>
+              <a:rPr lang="en-US" dirty="0" smtClean="0"/>
+              <a:t>;</a:t>
+            </a:r>
+          </a:p>
+          <a:p>
+            <a:r>
+              <a:rPr lang="en-US" dirty="0" smtClean="0"/>
+              <a:t>Game Status </a:t>
+            </a:r>
+            <a:r>
+              <a:rPr lang="en-US" dirty="0" err="1" smtClean="0"/>
+              <a:t>posY</a:t>
+            </a:r>
+            <a:endParaRPr lang="en-US" dirty="0"/>
+          </a:p>
+        </p:txBody>
+      </p:sp>
+      <p:pic>
+        <p:nvPicPr>
+          <p:cNvPr id="4" name="Picture 3"/>
+          <p:cNvPicPr>
+            <a:picLocks noChangeAspect="1"/>
+          </p:cNvPicPr>
+          <p:nvPr/>
+        </p:nvPicPr>
+        <p:blipFill>
+          <a:blip r:embed="rId2"/>
+          <a:stretch>
+            <a:fillRect/>
+          </a:stretch>
+        </p:blipFill>
         <p:spPr>
           <a:xfrm>
-            <a:off x="4462365" y="365125"/>
-            <a:ext cx="3267269" cy="1325563"/>
+            <a:off x="1430937" y="4001294"/>
+            <a:ext cx="6924675" cy="2171700"/>
           </a:xfrm>
+          <a:prstGeom prst="rect">
+            <a:avLst/>
+          </a:prstGeom>
         </p:spPr>
-        <p:txBody>
-          <a:bodyPr/>
-          <a:lstStyle/>
-          <a:p>
-            <a:r>
-              <a:rPr lang="en-US" dirty="0" smtClean="0"/>
-              <a:t>Game Status</a:t>
-            </a:r>
-            <a:endParaRPr lang="en-US" dirty="0"/>
-          </a:p>
-        </p:txBody>
-      </p:sp>
-      <p:sp>
-        <p:nvSpPr>
-          <p:cNvPr id="3" name="Content Placeholder 2"/>
-          <p:cNvSpPr>
-            <a:spLocks noGrp="1"/>
-          </p:cNvSpPr>
-          <p:nvPr>
-            <p:ph idx="1"/>
-          </p:nvPr>
-        </p:nvSpPr>
-        <p:spPr/>
-        <p:txBody>
-          <a:bodyPr/>
-          <a:lstStyle/>
-          <a:p>
-            <a:r>
-              <a:rPr lang="en-US" dirty="0" smtClean="0"/>
-              <a:t>Class </a:t>
-            </a:r>
-            <a:r>
-              <a:rPr lang="en-US" dirty="0" err="1" smtClean="0"/>
-              <a:t>gameStatus</a:t>
-            </a:r>
-            <a:endParaRPr lang="en-US" dirty="0" smtClean="0"/>
-          </a:p>
-          <a:p>
-            <a:r>
-              <a:rPr lang="en-US" dirty="0" smtClean="0"/>
-              <a:t>Position X, Y</a:t>
-            </a:r>
-          </a:p>
-          <a:p>
-            <a:r>
-              <a:rPr lang="en-US" dirty="0" smtClean="0"/>
-              <a:t>Canvas Set top/left</a:t>
-            </a:r>
-          </a:p>
-          <a:p>
-            <a:endParaRPr lang="en-US" dirty="0"/>
-          </a:p>
-        </p:txBody>
-      </p:sp>
+      </p:pic>
     </p:spTree>
     <p:extLst>
       <p:ext uri="{BB962C8B-B14F-4D97-AF65-F5344CB8AC3E}">
-        <p14:creationId xmlns:p14="http://schemas.microsoft.com/office/powerpoint/2010/main" val="2164240414"/>
+        <p14:creationId xmlns:p14="http://schemas.microsoft.com/office/powerpoint/2010/main" val="2527116023"/>
       </p:ext>
     </p:extLst>
   </p:cSld>
